--- a/content/u18/cse331/media/slides/mergeSort.pptx
+++ b/content/u18/cse331/media/slides/mergeSort.pptx
@@ -297,7 +297,7 @@
           <a:lstStyle/>
           <a:p>
             <a:fld id="{FAB01A9D-F57C-4547-8FD3-A3844D0961BA}" type="datetimeFigureOut">
-              <a:t>6/4/18</a:t>
+              <a:t>6/25/18</a:t>
             </a:fld>
             <a:endParaRPr lang="en-US"/>
           </a:p>
@@ -463,7 +463,7 @@
           <a:lstStyle/>
           <a:p>
             <a:fld id="{FAB01A9D-F57C-4547-8FD3-A3844D0961BA}" type="datetimeFigureOut">
-              <a:t>6/4/18</a:t>
+              <a:t>6/25/18</a:t>
             </a:fld>
             <a:endParaRPr lang="en-US"/>
           </a:p>
@@ -639,7 +639,7 @@
           <a:lstStyle/>
           <a:p>
             <a:fld id="{FAB01A9D-F57C-4547-8FD3-A3844D0961BA}" type="datetimeFigureOut">
-              <a:t>6/4/18</a:t>
+              <a:t>6/25/18</a:t>
             </a:fld>
             <a:endParaRPr lang="en-US"/>
           </a:p>
@@ -805,7 +805,7 @@
           <a:lstStyle/>
           <a:p>
             <a:fld id="{FAB01A9D-F57C-4547-8FD3-A3844D0961BA}" type="datetimeFigureOut">
-              <a:t>6/4/18</a:t>
+              <a:t>6/25/18</a:t>
             </a:fld>
             <a:endParaRPr lang="en-US"/>
           </a:p>
@@ -1048,7 +1048,7 @@
           <a:lstStyle/>
           <a:p>
             <a:fld id="{FAB01A9D-F57C-4547-8FD3-A3844D0961BA}" type="datetimeFigureOut">
-              <a:t>6/4/18</a:t>
+              <a:t>6/25/18</a:t>
             </a:fld>
             <a:endParaRPr lang="en-US"/>
           </a:p>
@@ -1331,7 +1331,7 @@
           <a:lstStyle/>
           <a:p>
             <a:fld id="{FAB01A9D-F57C-4547-8FD3-A3844D0961BA}" type="datetimeFigureOut">
-              <a:t>6/4/18</a:t>
+              <a:t>6/25/18</a:t>
             </a:fld>
             <a:endParaRPr lang="en-US"/>
           </a:p>
@@ -1748,7 +1748,7 @@
           <a:lstStyle/>
           <a:p>
             <a:fld id="{FAB01A9D-F57C-4547-8FD3-A3844D0961BA}" type="datetimeFigureOut">
-              <a:t>6/4/18</a:t>
+              <a:t>6/25/18</a:t>
             </a:fld>
             <a:endParaRPr lang="en-US"/>
           </a:p>
@@ -1863,7 +1863,7 @@
           <a:lstStyle/>
           <a:p>
             <a:fld id="{FAB01A9D-F57C-4547-8FD3-A3844D0961BA}" type="datetimeFigureOut">
-              <a:t>6/4/18</a:t>
+              <a:t>6/25/18</a:t>
             </a:fld>
             <a:endParaRPr lang="en-US"/>
           </a:p>
@@ -1956,7 +1956,7 @@
           <a:lstStyle/>
           <a:p>
             <a:fld id="{FAB01A9D-F57C-4547-8FD3-A3844D0961BA}" type="datetimeFigureOut">
-              <a:t>6/4/18</a:t>
+              <a:t>6/25/18</a:t>
             </a:fld>
             <a:endParaRPr lang="en-US"/>
           </a:p>
@@ -2229,7 +2229,7 @@
           <a:lstStyle/>
           <a:p>
             <a:fld id="{FAB01A9D-F57C-4547-8FD3-A3844D0961BA}" type="datetimeFigureOut">
-              <a:t>6/4/18</a:t>
+              <a:t>6/25/18</a:t>
             </a:fld>
             <a:endParaRPr lang="en-US"/>
           </a:p>
@@ -2479,7 +2479,7 @@
           <a:lstStyle/>
           <a:p>
             <a:fld id="{FAB01A9D-F57C-4547-8FD3-A3844D0961BA}" type="datetimeFigureOut">
-              <a:t>6/4/18</a:t>
+              <a:t>6/25/18</a:t>
             </a:fld>
             <a:endParaRPr lang="en-US"/>
           </a:p>
@@ -2688,7 +2688,7 @@
           </a:lstStyle>
           <a:p>
             <a:fld id="{FAB01A9D-F57C-4547-8FD3-A3844D0961BA}" type="datetimeFigureOut">
-              <a:t>6/4/18</a:t>
+              <a:t>6/25/18</a:t>
             </a:fld>
             <a:endParaRPr lang="en-US"/>
           </a:p>
@@ -3116,6 +3116,13 @@
   <p:clrMapOvr>
     <a:masterClrMapping/>
   </p:clrMapOvr>
+  <p:timing>
+    <p:tnLst>
+      <p:par>
+        <p:cTn xmlns:p14="http://schemas.microsoft.com/office/powerpoint/2010/main" id="1" dur="indefinite" restart="never" nodeType="tmRoot"/>
+      </p:par>
+    </p:tnLst>
+  </p:timing>
 </p:sld>
 </file>
 
@@ -16187,7 +16194,7 @@
             </a:r>
             <a:r>
               <a:rPr lang="en-US" sz="3100"/>
-              <a:t>≤      </a:t>
+              <a:t>≤   </a:t>
             </a:r>
             <a:r>
               <a:rPr lang="en-US" sz="3100">
@@ -16199,7 +16206,7 @@
             </a:r>
             <a:r>
               <a:rPr lang="en-US" sz="3100"/>
-              <a:t>                           if </a:t>
+              <a:t>                              if </a:t>
             </a:r>
             <a:r>
               <a:rPr lang="en-US" sz="3100">
